--- a/doc/weekly_report_2024_03_14_1p0.pptx
+++ b/doc/weekly_report_2024_03_14_1p0.pptx
@@ -8621,14 +8621,14 @@
           <p:nvPr>
             <p:extLst>
               <p:ext uri="{D42A27DB-BD31-4B8C-83A1-F6EECF244321}">
-                <p14:modId xmlns:p14="http://schemas.microsoft.com/office/powerpoint/2010/main" val="966565066"/>
+                <p14:modId xmlns:p14="http://schemas.microsoft.com/office/powerpoint/2010/main" val="184091411"/>
               </p:ext>
             </p:extLst>
           </p:nvPr>
         </p:nvGraphicFramePr>
         <p:xfrm>
           <a:off x="918845" y="1325880"/>
-          <a:ext cx="10104120" cy="2057400"/>
+          <a:ext cx="10104120" cy="2819400"/>
         </p:xfrm>
         <a:graphic>
           <a:graphicData uri="http://schemas.openxmlformats.org/drawingml/2006/table">
@@ -8895,6 +8895,110 @@
                 <a:extLst>
                   <a:ext uri="{0D108BD9-81ED-4DB2-BD59-A6C34878D82A}">
                     <a16:rowId xmlns:a16="http://schemas.microsoft.com/office/drawing/2014/main" val="10003"/>
+                  </a:ext>
+                </a:extLst>
+              </a:tr>
+              <a:tr h="381000">
+                <a:tc>
+                  <a:txBody>
+                    <a:bodyPr/>
+                    <a:lstStyle/>
+                    <a:p>
+                      <a:pPr>
+                        <a:buNone/>
+                      </a:pPr>
+                      <a:r>
+                        <a:rPr lang="en-US" dirty="0"/>
+                        <a:t>CDC</a:t>
+                      </a:r>
+                    </a:p>
+                  </a:txBody>
+                  <a:tcPr/>
+                </a:tc>
+                <a:tc>
+                  <a:txBody>
+                    <a:bodyPr/>
+                    <a:lstStyle/>
+                    <a:p>
+                      <a:pPr>
+                        <a:buNone/>
+                      </a:pPr>
+                      <a:r>
+                        <a:rPr lang="en-US" dirty="0"/>
+                        <a:t>In progress</a:t>
+                      </a:r>
+                    </a:p>
+                  </a:txBody>
+                  <a:tcPr/>
+                </a:tc>
+                <a:tc>
+                  <a:txBody>
+                    <a:bodyPr/>
+                    <a:lstStyle/>
+                    <a:p>
+                      <a:pPr>
+                        <a:buNone/>
+                      </a:pPr>
+                      <a:endParaRPr lang="en-US" dirty="0"/>
+                    </a:p>
+                  </a:txBody>
+                  <a:tcPr/>
+                </a:tc>
+                <a:extLst>
+                  <a:ext uri="{0D108BD9-81ED-4DB2-BD59-A6C34878D82A}">
+                    <a16:rowId xmlns:a16="http://schemas.microsoft.com/office/drawing/2014/main" val="469081040"/>
+                  </a:ext>
+                </a:extLst>
+              </a:tr>
+              <a:tr h="381000">
+                <a:tc>
+                  <a:txBody>
+                    <a:bodyPr/>
+                    <a:lstStyle/>
+                    <a:p>
+                      <a:pPr>
+                        <a:buNone/>
+                      </a:pPr>
+                      <a:r>
+                        <a:rPr lang="en-US" dirty="0"/>
+                        <a:t>DM</a:t>
+                      </a:r>
+                    </a:p>
+                  </a:txBody>
+                  <a:tcPr/>
+                </a:tc>
+                <a:tc>
+                  <a:txBody>
+                    <a:bodyPr/>
+                    <a:lstStyle/>
+                    <a:p>
+                      <a:pPr>
+                        <a:buNone/>
+                      </a:pPr>
+                      <a:r>
+                        <a:rPr lang="en-US" dirty="0"/>
+                        <a:t>Not start yet</a:t>
+                      </a:r>
+                    </a:p>
+                  </a:txBody>
+                  <a:tcPr/>
+                </a:tc>
+                <a:tc>
+                  <a:txBody>
+                    <a:bodyPr/>
+                    <a:lstStyle/>
+                    <a:p>
+                      <a:pPr>
+                        <a:buNone/>
+                      </a:pPr>
+                      <a:endParaRPr lang="en-US" dirty="0"/>
+                    </a:p>
+                  </a:txBody>
+                  <a:tcPr/>
+                </a:tc>
+                <a:extLst>
+                  <a:ext uri="{0D108BD9-81ED-4DB2-BD59-A6C34878D82A}">
+                    <a16:rowId xmlns:a16="http://schemas.microsoft.com/office/drawing/2014/main" val="3361316540"/>
                   </a:ext>
                 </a:extLst>
               </a:tr>
